--- a/Park_Yihang/20231024_Proposal_YHP.pptx
+++ b/Park_Yihang/20231024_Proposal_YHP.pptx
@@ -8,7 +8,8 @@
     <p:sldId id="261" r:id="rId2"/>
     <p:sldId id="264" r:id="rId3"/>
     <p:sldId id="262" r:id="rId4"/>
-    <p:sldId id="266" r:id="rId5"/>
+    <p:sldId id="267" r:id="rId5"/>
+    <p:sldId id="266" r:id="rId6"/>
   </p:sldIdLst>
   <p:sldSz cx="12192000" cy="6858000"/>
   <p:notesSz cx="6858000" cy="9144000"/>
@@ -262,7 +263,7 @@
           <a:p>
             <a:fld id="{6CDE62C4-C389-43B2-B984-3A66E69A7E1E}" type="datetimeFigureOut">
               <a:rPr lang="ko-KR" altLang="en-US" smtClean="0"/>
-              <a:t>2023-10-23</a:t>
+              <a:t>2023-10-24</a:t>
             </a:fld>
             <a:endParaRPr lang="ko-KR" altLang="en-US"/>
           </a:p>
@@ -460,7 +461,7 @@
           <a:p>
             <a:fld id="{6CDE62C4-C389-43B2-B984-3A66E69A7E1E}" type="datetimeFigureOut">
               <a:rPr lang="ko-KR" altLang="en-US" smtClean="0"/>
-              <a:t>2023-10-23</a:t>
+              <a:t>2023-10-24</a:t>
             </a:fld>
             <a:endParaRPr lang="ko-KR" altLang="en-US"/>
           </a:p>
@@ -668,7 +669,7 @@
           <a:p>
             <a:fld id="{6CDE62C4-C389-43B2-B984-3A66E69A7E1E}" type="datetimeFigureOut">
               <a:rPr lang="ko-KR" altLang="en-US" smtClean="0"/>
-              <a:t>2023-10-23</a:t>
+              <a:t>2023-10-24</a:t>
             </a:fld>
             <a:endParaRPr lang="ko-KR" altLang="en-US"/>
           </a:p>
@@ -866,7 +867,7 @@
           <a:p>
             <a:fld id="{6CDE62C4-C389-43B2-B984-3A66E69A7E1E}" type="datetimeFigureOut">
               <a:rPr lang="ko-KR" altLang="en-US" smtClean="0"/>
-              <a:t>2023-10-23</a:t>
+              <a:t>2023-10-24</a:t>
             </a:fld>
             <a:endParaRPr lang="ko-KR" altLang="en-US"/>
           </a:p>
@@ -1141,7 +1142,7 @@
           <a:p>
             <a:fld id="{6CDE62C4-C389-43B2-B984-3A66E69A7E1E}" type="datetimeFigureOut">
               <a:rPr lang="ko-KR" altLang="en-US" smtClean="0"/>
-              <a:t>2023-10-23</a:t>
+              <a:t>2023-10-24</a:t>
             </a:fld>
             <a:endParaRPr lang="ko-KR" altLang="en-US"/>
           </a:p>
@@ -1406,7 +1407,7 @@
           <a:p>
             <a:fld id="{6CDE62C4-C389-43B2-B984-3A66E69A7E1E}" type="datetimeFigureOut">
               <a:rPr lang="ko-KR" altLang="en-US" smtClean="0"/>
-              <a:t>2023-10-23</a:t>
+              <a:t>2023-10-24</a:t>
             </a:fld>
             <a:endParaRPr lang="ko-KR" altLang="en-US"/>
           </a:p>
@@ -1818,7 +1819,7 @@
           <a:p>
             <a:fld id="{6CDE62C4-C389-43B2-B984-3A66E69A7E1E}" type="datetimeFigureOut">
               <a:rPr lang="ko-KR" altLang="en-US" smtClean="0"/>
-              <a:t>2023-10-23</a:t>
+              <a:t>2023-10-24</a:t>
             </a:fld>
             <a:endParaRPr lang="ko-KR" altLang="en-US"/>
           </a:p>
@@ -1959,7 +1960,7 @@
           <a:p>
             <a:fld id="{6CDE62C4-C389-43B2-B984-3A66E69A7E1E}" type="datetimeFigureOut">
               <a:rPr lang="ko-KR" altLang="en-US" smtClean="0"/>
-              <a:t>2023-10-23</a:t>
+              <a:t>2023-10-24</a:t>
             </a:fld>
             <a:endParaRPr lang="ko-KR" altLang="en-US"/>
           </a:p>
@@ -2072,7 +2073,7 @@
           <a:p>
             <a:fld id="{6CDE62C4-C389-43B2-B984-3A66E69A7E1E}" type="datetimeFigureOut">
               <a:rPr lang="ko-KR" altLang="en-US" smtClean="0"/>
-              <a:t>2023-10-23</a:t>
+              <a:t>2023-10-24</a:t>
             </a:fld>
             <a:endParaRPr lang="ko-KR" altLang="en-US"/>
           </a:p>
@@ -2383,7 +2384,7 @@
           <a:p>
             <a:fld id="{6CDE62C4-C389-43B2-B984-3A66E69A7E1E}" type="datetimeFigureOut">
               <a:rPr lang="ko-KR" altLang="en-US" smtClean="0"/>
-              <a:t>2023-10-23</a:t>
+              <a:t>2023-10-24</a:t>
             </a:fld>
             <a:endParaRPr lang="ko-KR" altLang="en-US"/>
           </a:p>
@@ -2671,7 +2672,7 @@
           <a:p>
             <a:fld id="{6CDE62C4-C389-43B2-B984-3A66E69A7E1E}" type="datetimeFigureOut">
               <a:rPr lang="ko-KR" altLang="en-US" smtClean="0"/>
-              <a:t>2023-10-23</a:t>
+              <a:t>2023-10-24</a:t>
             </a:fld>
             <a:endParaRPr lang="ko-KR" altLang="en-US"/>
           </a:p>
@@ -2912,7 +2913,7 @@
           <a:p>
             <a:fld id="{6CDE62C4-C389-43B2-B984-3A66E69A7E1E}" type="datetimeFigureOut">
               <a:rPr lang="ko-KR" altLang="en-US" smtClean="0"/>
-              <a:t>2023-10-23</a:t>
+              <a:t>2023-10-24</a:t>
             </a:fld>
             <a:endParaRPr lang="ko-KR" altLang="en-US"/>
           </a:p>
@@ -3507,7 +3508,7 @@
         </p:nvSpPr>
         <p:spPr>
           <a:xfrm>
-            <a:off x="78342" y="718937"/>
+            <a:off x="78343" y="859813"/>
             <a:ext cx="12113657" cy="892552"/>
           </a:xfrm>
           <a:prstGeom prst="rect">
@@ -3633,10 +3634,10 @@
       </p:sp>
       <p:sp>
         <p:nvSpPr>
-          <p:cNvPr id="17" name="TextBox 16">
-            <a:extLst>
-              <a:ext uri="{FF2B5EF4-FFF2-40B4-BE49-F238E27FC236}">
-                <a16:creationId xmlns:a16="http://schemas.microsoft.com/office/drawing/2014/main" id="{B472AE38-BE34-61D0-A80F-09422911679C}"/>
+          <p:cNvPr id="2" name="TextBox 1">
+            <a:extLst>
+              <a:ext uri="{FF2B5EF4-FFF2-40B4-BE49-F238E27FC236}">
+                <a16:creationId xmlns:a16="http://schemas.microsoft.com/office/drawing/2014/main" id="{6A80E59C-0868-DE69-2CDA-29807E29CE72}"/>
               </a:ext>
             </a:extLst>
           </p:cNvPr>
@@ -3645,8 +3646,8 @@
         </p:nvSpPr>
         <p:spPr>
           <a:xfrm>
-            <a:off x="-57122" y="109538"/>
-            <a:ext cx="2751826" cy="861774"/>
+            <a:off x="574129" y="222011"/>
+            <a:ext cx="11122084" cy="523220"/>
           </a:xfrm>
           <a:prstGeom prst="rect">
             <a:avLst/>
@@ -3654,18 +3655,20 @@
           <a:noFill/>
         </p:spPr>
         <p:txBody>
-          <a:bodyPr wrap="square" rtlCol="0">
+          <a:bodyPr wrap="none" rtlCol="0">
             <a:spAutoFit/>
           </a:bodyPr>
           <a:lstStyle/>
           <a:p>
             <a:r>
-              <a:rPr lang="en-US" altLang="ko-KR" sz="3200" b="1"/>
-              <a:t>Yihang Park</a:t>
-            </a:r>
-          </a:p>
-          <a:p>
-            <a:endParaRPr lang="ko-KR" altLang="en-US"/>
+              <a:rPr lang="en-US" altLang="ko-KR" sz="2800" b="1"/>
+              <a:t>Evolution of complex signal of wolf spider </a:t>
+            </a:r>
+            <a:r>
+              <a:rPr lang="en-US" altLang="ko-KR" sz="2800" b="1" i="1"/>
+              <a:t>Schizocosa mccooki </a:t>
+            </a:r>
+            <a:endParaRPr lang="ko-KR" altLang="en-US" sz="2800" b="1" i="1"/>
           </a:p>
         </p:txBody>
       </p:sp>
@@ -3740,7 +3743,7 @@
               </p:nextCondLst>
             </p:seq>
             <p:video>
-              <p:cMediaNode vol="80000">
+              <p:cMediaNode vol="100000">
                 <p:cTn id="7" fill="hold" display="0">
                   <p:stCondLst>
                     <p:cond delay="indefinite"/>
@@ -3909,7 +3912,7 @@
         <p:spPr>
           <a:xfrm>
             <a:off x="2085173" y="105164"/>
-            <a:ext cx="8749190" cy="461665"/>
+            <a:ext cx="9262792" cy="461665"/>
           </a:xfrm>
           <a:prstGeom prst="rect">
             <a:avLst/>
@@ -3924,12 +3927,42 @@
           <a:p>
             <a:r>
               <a:rPr lang="en-US" altLang="ko-KR" sz="2400" b="1"/>
-              <a:t>Data from an experiment done in 2007 by Aaron Rundus </a:t>
+              <a:t>Data from an experiment done in 2007 by Dr. Aaron Rundus </a:t>
             </a:r>
             <a:endParaRPr lang="ko-KR" altLang="en-US" sz="2400" b="1"/>
           </a:p>
         </p:txBody>
       </p:sp>
+      <p:pic>
+        <p:nvPicPr>
+          <p:cNvPr id="6" name="Picture 5">
+            <a:extLst>
+              <a:ext uri="{FF2B5EF4-FFF2-40B4-BE49-F238E27FC236}">
+                <a16:creationId xmlns:a16="http://schemas.microsoft.com/office/drawing/2014/main" id="{C3496CE8-B1C0-3317-A41C-EB01376C1659}"/>
+              </a:ext>
+            </a:extLst>
+          </p:cNvPr>
+          <p:cNvPicPr>
+            <a:picLocks noChangeAspect="1"/>
+          </p:cNvPicPr>
+          <p:nvPr/>
+        </p:nvPicPr>
+        <p:blipFill>
+          <a:blip r:embed="rId4"/>
+          <a:stretch>
+            <a:fillRect/>
+          </a:stretch>
+        </p:blipFill>
+        <p:spPr>
+          <a:xfrm>
+            <a:off x="9453563" y="566829"/>
+            <a:ext cx="2243138" cy="3261071"/>
+          </a:xfrm>
+          <a:prstGeom prst="rect">
+            <a:avLst/>
+          </a:prstGeom>
+        </p:spPr>
+      </p:pic>
     </p:spTree>
     <p:extLst>
       <p:ext uri="{BB962C8B-B14F-4D97-AF65-F5344CB8AC3E}">
@@ -4540,6 +4573,118 @@
       </p:grpSpPr>
       <p:pic>
         <p:nvPicPr>
+          <p:cNvPr id="5" name="Picture 4">
+            <a:extLst>
+              <a:ext uri="{FF2B5EF4-FFF2-40B4-BE49-F238E27FC236}">
+                <a16:creationId xmlns:a16="http://schemas.microsoft.com/office/drawing/2014/main" id="{C9BA8904-7354-3511-C353-56F668AC9972}"/>
+              </a:ext>
+            </a:extLst>
+          </p:cNvPr>
+          <p:cNvPicPr>
+            <a:picLocks noChangeAspect="1"/>
+          </p:cNvPicPr>
+          <p:nvPr/>
+        </p:nvPicPr>
+        <p:blipFill>
+          <a:blip r:embed="rId2"/>
+          <a:stretch>
+            <a:fillRect/>
+          </a:stretch>
+        </p:blipFill>
+        <p:spPr>
+          <a:xfrm>
+            <a:off x="802595" y="-64690"/>
+            <a:ext cx="8718091" cy="6858000"/>
+          </a:xfrm>
+          <a:prstGeom prst="rect">
+            <a:avLst/>
+          </a:prstGeom>
+        </p:spPr>
+      </p:pic>
+      <p:sp>
+        <p:nvSpPr>
+          <p:cNvPr id="6" name="TextBox 5">
+            <a:extLst>
+              <a:ext uri="{FF2B5EF4-FFF2-40B4-BE49-F238E27FC236}">
+                <a16:creationId xmlns:a16="http://schemas.microsoft.com/office/drawing/2014/main" id="{BB1F4AA1-157A-5A35-B789-D98AF8C529A9}"/>
+              </a:ext>
+            </a:extLst>
+          </p:cNvPr>
+          <p:cNvSpPr txBox="1"/>
+          <p:nvPr/>
+        </p:nvSpPr>
+        <p:spPr>
+          <a:xfrm>
+            <a:off x="4995986" y="6423978"/>
+            <a:ext cx="4524700" cy="369332"/>
+          </a:xfrm>
+          <a:prstGeom prst="rect">
+            <a:avLst/>
+          </a:prstGeom>
+          <a:noFill/>
+        </p:spPr>
+        <p:txBody>
+          <a:bodyPr wrap="none" rtlCol="0">
+            <a:spAutoFit/>
+          </a:bodyPr>
+          <a:lstStyle/>
+          <a:p>
+            <a:r>
+              <a:rPr lang="en-US" altLang="ko-KR" b="1">
+                <a:solidFill>
+                  <a:schemeClr val="accent3"/>
+                </a:solidFill>
+              </a:rPr>
+              <a:t>Hebets et al. 2021 </a:t>
+            </a:r>
+            <a:r>
+              <a:rPr lang="en-US" altLang="ko-KR" b="1" i="1">
+                <a:solidFill>
+                  <a:schemeClr val="accent3"/>
+                </a:solidFill>
+              </a:rPr>
+              <a:t>Ecology &amp; Evolution</a:t>
+            </a:r>
+            <a:endParaRPr lang="ko-KR" altLang="en-US" b="1">
+              <a:solidFill>
+                <a:schemeClr val="accent3"/>
+              </a:solidFill>
+            </a:endParaRPr>
+          </a:p>
+        </p:txBody>
+      </p:sp>
+    </p:spTree>
+    <p:extLst>
+      <p:ext uri="{BB962C8B-B14F-4D97-AF65-F5344CB8AC3E}">
+        <p14:creationId xmlns:p14="http://schemas.microsoft.com/office/powerpoint/2010/main" val="4023231506"/>
+      </p:ext>
+    </p:extLst>
+  </p:cSld>
+  <p:clrMapOvr>
+    <a:masterClrMapping/>
+  </p:clrMapOvr>
+</p:sld>
+</file>
+
+<file path=ppt/slides/slide5.xml><?xml version="1.0" encoding="utf-8"?>
+<p:sld xmlns:a="http://schemas.openxmlformats.org/drawingml/2006/main" xmlns:r="http://schemas.openxmlformats.org/officeDocument/2006/relationships" xmlns:p="http://schemas.openxmlformats.org/presentationml/2006/main">
+  <p:cSld>
+    <p:spTree>
+      <p:nvGrpSpPr>
+        <p:cNvPr id="1" name=""/>
+        <p:cNvGrpSpPr/>
+        <p:nvPr/>
+      </p:nvGrpSpPr>
+      <p:grpSpPr>
+        <a:xfrm>
+          <a:off x="0" y="0"/>
+          <a:ext cx="0" cy="0"/>
+          <a:chOff x="0" y="0"/>
+          <a:chExt cx="0" cy="0"/>
+        </a:xfrm>
+      </p:grpSpPr>
+      <p:pic>
+        <p:nvPicPr>
           <p:cNvPr id="8" name="Picture 7">
             <a:extLst>
               <a:ext uri="{FF2B5EF4-FFF2-40B4-BE49-F238E27FC236}">
@@ -4582,7 +4727,7 @@
         </p:nvSpPr>
         <p:spPr>
           <a:xfrm>
-            <a:off x="5208925" y="2259449"/>
+            <a:off x="5328997" y="2042438"/>
             <a:ext cx="7044621" cy="2339102"/>
           </a:xfrm>
           <a:prstGeom prst="rect">
